--- a/MoAA Unity Plugin.pptx
+++ b/MoAA Unity Plugin.pptx
@@ -110,6 +110,11 @@
       </a:defRPr>
     </a:lvl9pPr>
   </p:defaultTextStyle>
+  <p:extLst>
+    <p:ext uri="{EFAFB233-063F-42B5-8137-9DF3F51BA10A}">
+      <p15:sldGuideLst xmlns:p15="http://schemas.microsoft.com/office/powerpoint/2012/main"/>
+    </p:ext>
+  </p:extLst>
 </p:presentation>
 </file>
 
@@ -6006,7 +6011,7 @@
           <a:graphicData uri="http://schemas.openxmlformats.org/presentationml/2006/ole">
             <mc:AlternateContent xmlns:mc="http://schemas.openxmlformats.org/markup-compatibility/2006">
               <mc:Choice xmlns:v="urn:schemas-microsoft-com:vml" Requires="v">
-                <p:oleObj spid="_x0000_s1036" name="포장기 셸 개체" showAsIcon="1" r:id="rId3" imgW="3212640" imgH="685440" progId="Package">
+                <p:oleObj spid="_x0000_s1037" name="포장기 셸 개체" showAsIcon="1" r:id="rId3" imgW="3212640" imgH="685440" progId="Package">
                   <p:embed/>
                 </p:oleObj>
               </mc:Choice>
@@ -6494,7 +6499,7 @@
         <p:spPr>
           <a:xfrm>
             <a:off x="677334" y="4785360"/>
-            <a:ext cx="10690860" cy="646331"/>
+            <a:ext cx="10690860" cy="1200329"/>
           </a:xfrm>
           <a:prstGeom prst="rect">
             <a:avLst/>
@@ -6581,6 +6586,39 @@
             </a:r>
             <a:r>
               <a:rPr lang="en-US" altLang="ko-KR" dirty="0" smtClean="0"/>
+              <a:t>.</a:t>
+            </a:r>
+          </a:p>
+          <a:p>
+            <a:endParaRPr lang="en-US" altLang="ko-KR" dirty="0"/>
+          </a:p>
+          <a:p>
+            <a:r>
+              <a:rPr lang="en-US" altLang="ko-KR" dirty="0" err="1" smtClean="0"/>
+              <a:t>ETRI_MoAA</a:t>
+            </a:r>
+            <a:r>
+              <a:rPr lang="en-US" altLang="ko-KR" dirty="0" smtClean="0"/>
+              <a:t> </a:t>
+            </a:r>
+            <a:r>
+              <a:rPr lang="ko-KR" altLang="en-US" dirty="0" smtClean="0"/>
+              <a:t>스크립트에 </a:t>
+            </a:r>
+            <a:r>
+              <a:rPr lang="en-US" altLang="ko-KR" dirty="0" smtClean="0"/>
+              <a:t>API_CODE, MARKET</a:t>
+            </a:r>
+            <a:r>
+              <a:rPr lang="ko-KR" altLang="en-US" dirty="0" smtClean="0"/>
+              <a:t>은 직접 코드 수정을 </a:t>
+            </a:r>
+            <a:r>
+              <a:rPr lang="ko-KR" altLang="en-US" dirty="0" err="1" smtClean="0"/>
+              <a:t>해주셔야합니다</a:t>
+            </a:r>
+            <a:r>
+              <a:rPr lang="en-US" altLang="ko-KR" smtClean="0"/>
               <a:t>.</a:t>
             </a:r>
             <a:endParaRPr lang="ko-KR" altLang="en-US" dirty="0"/>
